--- a/Poster/poster.pptx
+++ b/Poster/poster.pptx
@@ -7865,223 +7865,6 @@
       </p:pic>
       <p:sp>
         <p:nvSpPr>
-          <p:cNvPr id="60" name="Rectangle 59"/>
-          <p:cNvSpPr/>
-          <p:nvPr/>
-        </p:nvSpPr>
-        <p:spPr bwMode="auto">
-          <a:xfrm>
-            <a:off x="16459200" y="13646053"/>
-            <a:ext cx="5486400" cy="1005840"/>
-          </a:xfrm>
-          <a:prstGeom prst="rect">
-            <a:avLst/>
-          </a:prstGeom>
-          <a:noFill/>
-          <a:ln w="9525" cap="flat" cmpd="sng" algn="ctr">
-            <a:solidFill>
-              <a:schemeClr val="bg1"/>
-            </a:solidFill>
-            <a:prstDash val="dash"/>
-            <a:round/>
-            <a:headEnd type="none" w="med" len="med"/>
-            <a:tailEnd type="none" w="med" len="med"/>
-          </a:ln>
-          <a:effectLst/>
-        </p:spPr>
-        <p:txBody>
-          <a:bodyPr vert="horz" wrap="square" lIns="91440" tIns="45720" rIns="91440" bIns="45720" numCol="1" rtlCol="0" anchor="ctr" anchorCtr="0" compatLnSpc="1">
-            <a:prstTxWarp prst="textNoShape">
-              <a:avLst/>
-            </a:prstTxWarp>
-          </a:bodyPr>
-          <a:lstStyle>
-            <a:defPPr>
-              <a:defRPr lang="en-US"/>
-            </a:defPPr>
-            <a:lvl1pPr algn="l" rtl="0" fontAlgn="base">
-              <a:spcBef>
-                <a:spcPct val="0"/>
-              </a:spcBef>
-              <a:spcAft>
-                <a:spcPct val="0"/>
-              </a:spcAft>
-              <a:defRPr sz="6200" kern="1200">
-                <a:solidFill>
-                  <a:schemeClr val="tx1"/>
-                </a:solidFill>
-                <a:latin typeface="Arial" charset="0"/>
-                <a:ea typeface="+mn-ea"/>
-                <a:cs typeface="+mn-cs"/>
-              </a:defRPr>
-            </a:lvl1pPr>
-            <a:lvl2pPr marL="457200" algn="l" rtl="0" fontAlgn="base">
-              <a:spcBef>
-                <a:spcPct val="0"/>
-              </a:spcBef>
-              <a:spcAft>
-                <a:spcPct val="0"/>
-              </a:spcAft>
-              <a:defRPr sz="6200" kern="1200">
-                <a:solidFill>
-                  <a:schemeClr val="tx1"/>
-                </a:solidFill>
-                <a:latin typeface="Arial" charset="0"/>
-                <a:ea typeface="+mn-ea"/>
-                <a:cs typeface="+mn-cs"/>
-              </a:defRPr>
-            </a:lvl2pPr>
-            <a:lvl3pPr marL="914400" algn="l" rtl="0" fontAlgn="base">
-              <a:spcBef>
-                <a:spcPct val="0"/>
-              </a:spcBef>
-              <a:spcAft>
-                <a:spcPct val="0"/>
-              </a:spcAft>
-              <a:defRPr sz="6200" kern="1200">
-                <a:solidFill>
-                  <a:schemeClr val="tx1"/>
-                </a:solidFill>
-                <a:latin typeface="Arial" charset="0"/>
-                <a:ea typeface="+mn-ea"/>
-                <a:cs typeface="+mn-cs"/>
-              </a:defRPr>
-            </a:lvl3pPr>
-            <a:lvl4pPr marL="1371600" algn="l" rtl="0" fontAlgn="base">
-              <a:spcBef>
-                <a:spcPct val="0"/>
-              </a:spcBef>
-              <a:spcAft>
-                <a:spcPct val="0"/>
-              </a:spcAft>
-              <a:defRPr sz="6200" kern="1200">
-                <a:solidFill>
-                  <a:schemeClr val="tx1"/>
-                </a:solidFill>
-                <a:latin typeface="Arial" charset="0"/>
-                <a:ea typeface="+mn-ea"/>
-                <a:cs typeface="+mn-cs"/>
-              </a:defRPr>
-            </a:lvl4pPr>
-            <a:lvl5pPr marL="1828800" algn="l" rtl="0" fontAlgn="base">
-              <a:spcBef>
-                <a:spcPct val="0"/>
-              </a:spcBef>
-              <a:spcAft>
-                <a:spcPct val="0"/>
-              </a:spcAft>
-              <a:defRPr sz="6200" kern="1200">
-                <a:solidFill>
-                  <a:schemeClr val="tx1"/>
-                </a:solidFill>
-                <a:latin typeface="Arial" charset="0"/>
-                <a:ea typeface="+mn-ea"/>
-                <a:cs typeface="+mn-cs"/>
-              </a:defRPr>
-            </a:lvl5pPr>
-            <a:lvl6pPr marL="2286000" algn="l" defTabSz="914400" rtl="0" eaLnBrk="1" latinLnBrk="0" hangingPunct="1">
-              <a:defRPr sz="6200" kern="1200">
-                <a:solidFill>
-                  <a:schemeClr val="tx1"/>
-                </a:solidFill>
-                <a:latin typeface="Arial" charset="0"/>
-                <a:ea typeface="+mn-ea"/>
-                <a:cs typeface="+mn-cs"/>
-              </a:defRPr>
-            </a:lvl6pPr>
-            <a:lvl7pPr marL="2743200" algn="l" defTabSz="914400" rtl="0" eaLnBrk="1" latinLnBrk="0" hangingPunct="1">
-              <a:defRPr sz="6200" kern="1200">
-                <a:solidFill>
-                  <a:schemeClr val="tx1"/>
-                </a:solidFill>
-                <a:latin typeface="Arial" charset="0"/>
-                <a:ea typeface="+mn-ea"/>
-                <a:cs typeface="+mn-cs"/>
-              </a:defRPr>
-            </a:lvl7pPr>
-            <a:lvl8pPr marL="3200400" algn="l" defTabSz="914400" rtl="0" eaLnBrk="1" latinLnBrk="0" hangingPunct="1">
-              <a:defRPr sz="6200" kern="1200">
-                <a:solidFill>
-                  <a:schemeClr val="tx1"/>
-                </a:solidFill>
-                <a:latin typeface="Arial" charset="0"/>
-                <a:ea typeface="+mn-ea"/>
-                <a:cs typeface="+mn-cs"/>
-              </a:defRPr>
-            </a:lvl8pPr>
-            <a:lvl9pPr marL="3657600" algn="l" defTabSz="914400" rtl="0" eaLnBrk="1" latinLnBrk="0" hangingPunct="1">
-              <a:defRPr sz="6200" kern="1200">
-                <a:solidFill>
-                  <a:schemeClr val="tx1"/>
-                </a:solidFill>
-                <a:latin typeface="Arial" charset="0"/>
-                <a:ea typeface="+mn-ea"/>
-                <a:cs typeface="+mn-cs"/>
-              </a:defRPr>
-            </a:lvl9pPr>
-          </a:lstStyle>
-          <a:p>
-            <a:pPr marL="0" marR="0" indent="0" algn="ctr" defTabSz="3135313" rtl="0" eaLnBrk="1" fontAlgn="base" latinLnBrk="0" hangingPunct="1">
-              <a:lnSpc>
-                <a:spcPct val="100000"/>
-              </a:lnSpc>
-              <a:spcBef>
-                <a:spcPct val="0"/>
-              </a:spcBef>
-              <a:spcAft>
-                <a:spcPct val="0"/>
-              </a:spcAft>
-              <a:buClrTx/>
-              <a:buSzTx/>
-              <a:buFontTx/>
-              <a:buNone/>
-              <a:tabLst/>
-            </a:pPr>
-            <a:r>
-              <a:rPr lang="en-US" sz="2400" smtClean="0">
-                <a:solidFill>
-                  <a:schemeClr val="bg1"/>
-                </a:solidFill>
-                <a:latin typeface="Calibri" pitchFamily="34" charset="0"/>
-                <a:cs typeface="Calibri" pitchFamily="34" charset="0"/>
-              </a:rPr>
-              <a:t>Logo for secondary institution</a:t>
-            </a:r>
-            <a:br>
-              <a:rPr lang="en-US" sz="2400" smtClean="0">
-                <a:solidFill>
-                  <a:schemeClr val="bg1"/>
-                </a:solidFill>
-                <a:latin typeface="Calibri" pitchFamily="34" charset="0"/>
-                <a:cs typeface="Calibri" pitchFamily="34" charset="0"/>
-              </a:rPr>
-            </a:br>
-            <a:r>
-              <a:rPr lang="en-US" sz="2400" smtClean="0">
-                <a:solidFill>
-                  <a:schemeClr val="bg1"/>
-                </a:solidFill>
-                <a:latin typeface="Calibri" pitchFamily="34" charset="0"/>
-                <a:cs typeface="Calibri" pitchFamily="34" charset="0"/>
-              </a:rPr>
-              <a:t>if appropriate</a:t>
-            </a:r>
-            <a:endParaRPr kumimoji="0" lang="en-US" sz="2400" b="0" i="0" u="none" strike="noStrike" cap="none" normalizeH="0" baseline="0" smtClean="0">
-              <a:ln>
-                <a:noFill/>
-              </a:ln>
-              <a:solidFill>
-                <a:schemeClr val="bg1"/>
-              </a:solidFill>
-              <a:effectLst/>
-              <a:latin typeface="Calibri" pitchFamily="34" charset="0"/>
-              <a:cs typeface="Calibri" pitchFamily="34" charset="0"/>
-            </a:endParaRPr>
-          </a:p>
-        </p:txBody>
-      </p:sp>
-      <p:sp>
-        <p:nvSpPr>
           <p:cNvPr id="61" name="Text Box 41"/>
           <p:cNvSpPr txBox="1">
             <a:spLocks noChangeArrowheads="1"/>
@@ -8221,14 +8004,155 @@
       </p:graphicFrame>
       <p:pic>
         <p:nvPicPr>
-          <p:cNvPr id="7" name="Picture 6" descr="Screenshot 2014-12-03 04.17.23.png"/>
+          <p:cNvPr id="9" name="Picture 8"/>
           <p:cNvPicPr>
             <a:picLocks noChangeAspect="1"/>
           </p:cNvPicPr>
           <p:nvPr/>
         </p:nvPicPr>
         <p:blipFill>
-          <a:blip r:embed="rId11">
+          <a:blip r:embed="rId11"/>
+          <a:stretch>
+            <a:fillRect/>
+          </a:stretch>
+        </p:blipFill>
+        <p:spPr>
+          <a:xfrm>
+            <a:off x="13944600" y="15544800"/>
+            <a:ext cx="9372600" cy="5486400"/>
+          </a:xfrm>
+          <a:prstGeom prst="rect">
+            <a:avLst/>
+          </a:prstGeom>
+        </p:spPr>
+      </p:pic>
+      <p:sp>
+        <p:nvSpPr>
+          <p:cNvPr id="71" name="Text Box 90"/>
+          <p:cNvSpPr txBox="1">
+            <a:spLocks noChangeArrowheads="1"/>
+          </p:cNvSpPr>
+          <p:nvPr/>
+        </p:nvSpPr>
+        <p:spPr bwMode="auto">
+          <a:xfrm>
+            <a:off x="23774400" y="15544800"/>
+            <a:ext cx="8915400" cy="5170647"/>
+          </a:xfrm>
+          <a:prstGeom prst="rect">
+            <a:avLst/>
+          </a:prstGeom>
+          <a:noFill/>
+          <a:ln w="9525">
+            <a:noFill/>
+            <a:miter lim="800000"/>
+            <a:headEnd/>
+            <a:tailEnd/>
+          </a:ln>
+        </p:spPr>
+        <p:txBody>
+          <a:bodyPr wrap="square" lIns="0" tIns="0" rIns="0" bIns="0">
+            <a:spAutoFit/>
+          </a:bodyPr>
+          <a:lstStyle/>
+          <a:p>
+            <a:pPr marL="514350" indent="-514350" algn="just">
+              <a:buAutoNum type="arabicPeriod"/>
+            </a:pPr>
+            <a:r>
+              <a:rPr lang="en-US" sz="2800" dirty="0" smtClean="0">
+                <a:latin typeface="Calibri" pitchFamily="34" charset="0"/>
+                <a:cs typeface="Calibri" pitchFamily="34" charset="0"/>
+              </a:rPr>
+              <a:t>The most important topics found after performing online LDA are Ambience, Location, Variety and Wait Time &amp; Management.</a:t>
+            </a:r>
+          </a:p>
+          <a:p>
+            <a:pPr marL="514350" indent="-514350" algn="just">
+              <a:buAutoNum type="arabicPeriod"/>
+            </a:pPr>
+            <a:endParaRPr lang="en-US" sz="2800" dirty="0">
+              <a:latin typeface="Calibri" pitchFamily="34" charset="0"/>
+              <a:cs typeface="Calibri" pitchFamily="34" charset="0"/>
+            </a:endParaRPr>
+          </a:p>
+          <a:p>
+            <a:pPr marL="514350" indent="-514350" algn="just">
+              <a:buAutoNum type="arabicPeriod"/>
+            </a:pPr>
+            <a:r>
+              <a:rPr lang="en-US" sz="2800" dirty="0" smtClean="0">
+                <a:latin typeface="Calibri" pitchFamily="34" charset="0"/>
+                <a:cs typeface="Calibri" pitchFamily="34" charset="0"/>
+              </a:rPr>
+              <a:t>It can determined from the figure above that the central part of Phoenix lacks in providing </a:t>
+            </a:r>
+            <a:r>
+              <a:rPr lang="en-US" sz="2800" dirty="0" smtClean="0">
+                <a:latin typeface="Calibri" pitchFamily="34" charset="0"/>
+                <a:cs typeface="Calibri" pitchFamily="34" charset="0"/>
+              </a:rPr>
+              <a:t>Ambience and Service.</a:t>
+            </a:r>
+          </a:p>
+          <a:p>
+            <a:pPr marL="514350" indent="-514350" algn="just">
+              <a:buAutoNum type="arabicPeriod"/>
+            </a:pPr>
+            <a:endParaRPr lang="en-US" sz="2800" dirty="0">
+              <a:latin typeface="Calibri" pitchFamily="34" charset="0"/>
+              <a:cs typeface="Calibri" pitchFamily="34" charset="0"/>
+            </a:endParaRPr>
+          </a:p>
+          <a:p>
+            <a:pPr marL="514350" indent="-514350" algn="just">
+              <a:buAutoNum type="arabicPeriod"/>
+            </a:pPr>
+            <a:r>
+              <a:rPr lang="en-US" sz="2800" dirty="0" smtClean="0">
+                <a:latin typeface="Calibri" pitchFamily="34" charset="0"/>
+                <a:cs typeface="Calibri" pitchFamily="34" charset="0"/>
+              </a:rPr>
+              <a:t>We have incorporated online LDA. So new reviews can be extended with the existing model.</a:t>
+            </a:r>
+          </a:p>
+          <a:p>
+            <a:pPr marL="514350" indent="-514350" algn="just">
+              <a:buAutoNum type="arabicPeriod"/>
+            </a:pPr>
+            <a:endParaRPr lang="en-US" sz="2800" dirty="0">
+              <a:latin typeface="Calibri" pitchFamily="34" charset="0"/>
+              <a:cs typeface="Calibri" pitchFamily="34" charset="0"/>
+            </a:endParaRPr>
+          </a:p>
+          <a:p>
+            <a:pPr marL="514350" indent="-514350" algn="just">
+              <a:buAutoNum type="arabicPeriod"/>
+            </a:pPr>
+            <a:r>
+              <a:rPr lang="en-US" sz="2800" dirty="0" smtClean="0">
+                <a:latin typeface="Calibri" pitchFamily="34" charset="0"/>
+                <a:cs typeface="Calibri" pitchFamily="34" charset="0"/>
+              </a:rPr>
+              <a:t>Due to some inherent noise in the data, so not all words in the subtopic correspond to the inferred meaning.</a:t>
+            </a:r>
+            <a:endParaRPr lang="en-US" sz="2800" dirty="0">
+              <a:latin typeface="Calibri" pitchFamily="34" charset="0"/>
+              <a:cs typeface="Calibri" pitchFamily="34" charset="0"/>
+            </a:endParaRPr>
+          </a:p>
+        </p:txBody>
+      </p:sp>
+      <p:pic>
+        <p:nvPicPr>
+          <p:cNvPr id="11" name="Picture 10" descr="Screenshot 2014-12-03 05.13.26.png"/>
+          <p:cNvPicPr>
+            <a:picLocks noChangeAspect="1"/>
+          </p:cNvPicPr>
+          <p:nvPr/>
+        </p:nvPicPr>
+        <p:blipFill>
+          <a:blip r:embed="rId12">
             <a:extLst>
               <a:ext uri="{28A0092B-C50C-407E-A947-70E740481C1C}">
                 <a14:useLocalDpi xmlns:a14="http://schemas.microsoft.com/office/drawing/2010/main" val="0"/>
@@ -8242,7 +8166,7 @@
         <p:spPr>
           <a:xfrm>
             <a:off x="13944600" y="3657600"/>
-            <a:ext cx="18707100" cy="10744200"/>
+            <a:ext cx="18745200" cy="10744200"/>
           </a:xfrm>
           <a:prstGeom prst="rect">
             <a:avLst/>
